--- a/Document/종합설계기획/(중간발표)CorruptLab.pptx
+++ b/Document/종합설계기획/(중간발표)CorruptLab.pptx
@@ -229,7 +229,7 @@
           <a:p>
             <a:fld id="{4EE2B26F-C162-4387-B686-245F254E5E69}" type="datetimeFigureOut">
               <a:rPr lang="ko-KR" altLang="en-US" smtClean="0"/>
-              <a:t>2020-05-05</a:t>
+              <a:t>2020-05-06</a:t>
             </a:fld>
             <a:endParaRPr lang="ko-KR" altLang="en-US"/>
           </a:p>
@@ -1442,7 +1442,7 @@
                 </a:solidFill>
               </a:rPr>
               <a:pPr/>
-              <a:t>2020-05-05</a:t>
+              <a:t>2020-05-06</a:t>
             </a:fld>
             <a:endParaRPr lang="ko-KR" altLang="en-US">
               <a:solidFill>
@@ -1642,7 +1642,7 @@
                 </a:solidFill>
               </a:rPr>
               <a:pPr/>
-              <a:t>2020-05-05</a:t>
+              <a:t>2020-05-06</a:t>
             </a:fld>
             <a:endParaRPr lang="ko-KR" altLang="en-US">
               <a:solidFill>
@@ -1852,7 +1852,7 @@
                 </a:solidFill>
               </a:rPr>
               <a:pPr/>
-              <a:t>2020-05-05</a:t>
+              <a:t>2020-05-06</a:t>
             </a:fld>
             <a:endParaRPr lang="ko-KR" altLang="en-US">
               <a:solidFill>
@@ -2052,7 +2052,7 @@
                 </a:solidFill>
               </a:rPr>
               <a:pPr/>
-              <a:t>2020-05-05</a:t>
+              <a:t>2020-05-06</a:t>
             </a:fld>
             <a:endParaRPr lang="ko-KR" altLang="en-US">
               <a:solidFill>
@@ -2329,7 +2329,7 @@
                 </a:solidFill>
               </a:rPr>
               <a:pPr/>
-              <a:t>2020-05-05</a:t>
+              <a:t>2020-05-06</a:t>
             </a:fld>
             <a:endParaRPr lang="ko-KR" altLang="en-US">
               <a:solidFill>
@@ -2646,7 +2646,7 @@
                 </a:solidFill>
               </a:rPr>
               <a:pPr/>
-              <a:t>2020-05-05</a:t>
+              <a:t>2020-05-06</a:t>
             </a:fld>
             <a:endParaRPr lang="ko-KR" altLang="en-US">
               <a:solidFill>
@@ -3097,7 +3097,7 @@
                 </a:solidFill>
               </a:rPr>
               <a:pPr/>
-              <a:t>2020-05-05</a:t>
+              <a:t>2020-05-06</a:t>
             </a:fld>
             <a:endParaRPr lang="ko-KR" altLang="en-US">
               <a:solidFill>
@@ -3246,7 +3246,7 @@
                 </a:solidFill>
               </a:rPr>
               <a:pPr/>
-              <a:t>2020-05-05</a:t>
+              <a:t>2020-05-06</a:t>
             </a:fld>
             <a:endParaRPr lang="ko-KR" altLang="en-US">
               <a:solidFill>
@@ -3373,7 +3373,7 @@
                 </a:solidFill>
               </a:rPr>
               <a:pPr/>
-              <a:t>2020-05-05</a:t>
+              <a:t>2020-05-06</a:t>
             </a:fld>
             <a:endParaRPr lang="ko-KR" altLang="en-US">
               <a:solidFill>
@@ -3680,7 +3680,7 @@
                 </a:solidFill>
               </a:rPr>
               <a:pPr/>
-              <a:t>2020-05-05</a:t>
+              <a:t>2020-05-06</a:t>
             </a:fld>
             <a:endParaRPr lang="ko-KR" altLang="en-US">
               <a:solidFill>
@@ -3964,7 +3964,7 @@
                 </a:solidFill>
               </a:rPr>
               <a:pPr/>
-              <a:t>2020-05-05</a:t>
+              <a:t>2020-05-06</a:t>
             </a:fld>
             <a:endParaRPr lang="ko-KR" altLang="en-US">
               <a:solidFill>
@@ -4216,7 +4216,7 @@
                 </a:solidFill>
               </a:rPr>
               <a:pPr/>
-              <a:t>2020-05-05</a:t>
+              <a:t>2020-05-06</a:t>
             </a:fld>
             <a:endParaRPr lang="ko-KR" altLang="en-US">
               <a:solidFill>
@@ -7775,7 +7775,7 @@
           <p:nvPr>
             <p:extLst>
               <p:ext uri="{D42A27DB-BD31-4B8C-83A1-F6EECF244321}">
-                <p14:modId xmlns:p14="http://schemas.microsoft.com/office/powerpoint/2010/main" val="2026880468"/>
+                <p14:modId xmlns:p14="http://schemas.microsoft.com/office/powerpoint/2010/main" val="1658083620"/>
               </p:ext>
             </p:extLst>
           </p:nvPr>
@@ -8453,7 +8453,7 @@
                     <a:p>
                       <a:pPr algn="ctr" latinLnBrk="1"/>
                       <a:r>
-                        <a:rPr lang="ko-KR" altLang="en-US" sz="1800" b="1">
+                        <a:rPr lang="ko-KR" altLang="en-US" sz="1800" b="1" dirty="0">
                           <a:solidFill>
                             <a:schemeClr val="tx1"/>
                           </a:solidFill>
@@ -8521,13 +8521,18 @@
                     <a:p>
                       <a:pPr latinLnBrk="1"/>
                       <a:r>
-                        <a:rPr lang="ko-KR" altLang="en-US" sz="1800">
+                        <a:rPr lang="ko-KR" altLang="en-US" sz="1800" dirty="0" smtClean="0">
                           <a:solidFill>
                             <a:schemeClr val="tx1"/>
                           </a:solidFill>
                         </a:rPr>
-                        <a:t>사실적인 물결표현</a:t>
-                      </a:r>
+                        <a:t>물결 표현</a:t>
+                      </a:r>
+                      <a:endParaRPr lang="ko-KR" altLang="en-US" sz="1800" dirty="0">
+                        <a:solidFill>
+                          <a:schemeClr val="tx1"/>
+                        </a:solidFill>
+                      </a:endParaRPr>
                     </a:p>
                   </a:txBody>
                   <a:tcPr anchor="ctr">
@@ -9213,14 +9218,14 @@
                     <a:p>
                       <a:pPr algn="ctr" latinLnBrk="1"/>
                       <a:r>
-                        <a:rPr lang="en-US" altLang="ko-KR" sz="2400" b="1">
+                        <a:rPr lang="en-US" altLang="ko-KR" sz="2400" b="1" dirty="0">
                           <a:solidFill>
                             <a:schemeClr val="tx1"/>
                           </a:solidFill>
                         </a:rPr>
                         <a:t>O</a:t>
                       </a:r>
-                      <a:endParaRPr lang="ko-KR" altLang="en-US" sz="2400" b="1">
+                      <a:endParaRPr lang="ko-KR" altLang="en-US" sz="2400" b="1" dirty="0">
                         <a:solidFill>
                           <a:schemeClr val="tx1"/>
                         </a:solidFill>
@@ -9416,7 +9421,7 @@
               </a:lnSpc>
             </a:pPr>
             <a:r>
-              <a:rPr lang="ko-KR" altLang="en-US" sz="2400" b="1">
+              <a:rPr lang="ko-KR" altLang="en-US" sz="2400" b="1" dirty="0">
                 <a:solidFill>
                   <a:schemeClr val="bg1">
                     <a:lumMod val="85000"/>
@@ -9427,7 +9432,7 @@
               <a:t>권다현</a:t>
             </a:r>
             <a:r>
-              <a:rPr lang="en-US" altLang="ko-KR" sz="2400" b="1">
+              <a:rPr lang="en-US" altLang="ko-KR" sz="2400" b="1" dirty="0">
                 <a:solidFill>
                   <a:schemeClr val="bg1">
                     <a:lumMod val="85000"/>
@@ -9438,7 +9443,7 @@
               <a:t>(</a:t>
             </a:r>
             <a:r>
-              <a:rPr lang="ko-KR" altLang="en-US" sz="2400" b="1">
+              <a:rPr lang="ko-KR" altLang="en-US" sz="2400" b="1" dirty="0">
                 <a:solidFill>
                   <a:schemeClr val="bg1">
                     <a:lumMod val="85000"/>
@@ -9449,7 +9454,7 @@
               <a:t>그래픽</a:t>
             </a:r>
             <a:r>
-              <a:rPr lang="en-US" altLang="ko-KR" sz="2400" b="1">
+              <a:rPr lang="en-US" altLang="ko-KR" sz="2400" b="1" dirty="0">
                 <a:solidFill>
                   <a:schemeClr val="bg1">
                     <a:lumMod val="85000"/>
@@ -9459,6 +9464,242 @@
               </a:rPr>
               <a:t>)</a:t>
             </a:r>
+          </a:p>
+        </p:txBody>
+      </p:sp>
+      <p:sp>
+        <p:nvSpPr>
+          <p:cNvPr id="2" name="직사각형 1"/>
+          <p:cNvSpPr/>
+          <p:nvPr/>
+        </p:nvSpPr>
+        <p:spPr>
+          <a:xfrm>
+            <a:off x="690102" y="1772816"/>
+            <a:ext cx="4342856" cy="4801314"/>
+          </a:xfrm>
+          <a:prstGeom prst="rect">
+            <a:avLst/>
+          </a:prstGeom>
+        </p:spPr>
+        <p:txBody>
+          <a:bodyPr wrap="none">
+            <a:spAutoFit/>
+          </a:bodyPr>
+          <a:lstStyle/>
+          <a:p>
+            <a:pPr marL="285750" indent="-285750">
+              <a:lnSpc>
+                <a:spcPct val="200000"/>
+              </a:lnSpc>
+              <a:buFont typeface="Arial" panose="020B0604020202020204" pitchFamily="34" charset="0"/>
+              <a:buChar char="•"/>
+            </a:pPr>
+            <a:r>
+              <a:rPr lang="ko-KR" altLang="en-US" sz="2400" dirty="0" err="1" smtClean="0">
+                <a:solidFill>
+                  <a:schemeClr val="bg1"/>
+                </a:solidFill>
+              </a:rPr>
+              <a:t>메쉬</a:t>
+            </a:r>
+            <a:r>
+              <a:rPr lang="ko-KR" altLang="en-US" sz="2400" dirty="0" smtClean="0">
+                <a:solidFill>
+                  <a:schemeClr val="bg1"/>
+                </a:solidFill>
+              </a:rPr>
+              <a:t> 및 </a:t>
+            </a:r>
+            <a:r>
+              <a:rPr lang="ko-KR" altLang="en-US" sz="2400" dirty="0" err="1" smtClean="0">
+                <a:solidFill>
+                  <a:schemeClr val="bg1"/>
+                </a:solidFill>
+              </a:rPr>
+              <a:t>텍스쳐</a:t>
+            </a:r>
+            <a:r>
+              <a:rPr lang="ko-KR" altLang="en-US" sz="2400" dirty="0" smtClean="0">
+                <a:solidFill>
+                  <a:schemeClr val="bg1"/>
+                </a:solidFill>
+              </a:rPr>
+              <a:t> 제작</a:t>
+            </a:r>
+            <a:endParaRPr lang="en-US" altLang="ko-KR" sz="2400" dirty="0" smtClean="0">
+              <a:solidFill>
+                <a:schemeClr val="bg1"/>
+              </a:solidFill>
+            </a:endParaRPr>
+          </a:p>
+          <a:p>
+            <a:pPr marL="285750" indent="-285750">
+              <a:lnSpc>
+                <a:spcPct val="200000"/>
+              </a:lnSpc>
+              <a:buFont typeface="Arial" panose="020B0604020202020204" pitchFamily="34" charset="0"/>
+              <a:buChar char="•"/>
+            </a:pPr>
+            <a:r>
+              <a:rPr lang="ko-KR" altLang="en-US" sz="2400" dirty="0" smtClean="0">
+                <a:solidFill>
+                  <a:schemeClr val="bg1"/>
+                </a:solidFill>
+              </a:rPr>
+              <a:t>애니메이션 제작</a:t>
+            </a:r>
+            <a:endParaRPr lang="en-US" altLang="ko-KR" sz="2400" dirty="0" smtClean="0">
+              <a:solidFill>
+                <a:schemeClr val="bg1"/>
+              </a:solidFill>
+            </a:endParaRPr>
+          </a:p>
+          <a:p>
+            <a:pPr marL="285750" indent="-285750">
+              <a:lnSpc>
+                <a:spcPct val="200000"/>
+              </a:lnSpc>
+              <a:buFont typeface="Arial" panose="020B0604020202020204" pitchFamily="34" charset="0"/>
+              <a:buChar char="•"/>
+            </a:pPr>
+            <a:r>
+              <a:rPr lang="ko-KR" altLang="en-US" sz="2400" dirty="0" err="1" smtClean="0">
+                <a:solidFill>
+                  <a:schemeClr val="bg1"/>
+                </a:solidFill>
+              </a:rPr>
+              <a:t>파티클</a:t>
+            </a:r>
+            <a:r>
+              <a:rPr lang="ko-KR" altLang="en-US" sz="2400" dirty="0" smtClean="0">
+                <a:solidFill>
+                  <a:schemeClr val="bg1"/>
+                </a:solidFill>
+              </a:rPr>
+              <a:t> 제작</a:t>
+            </a:r>
+            <a:endParaRPr lang="en-US" altLang="ko-KR" sz="2400" dirty="0" smtClean="0">
+              <a:solidFill>
+                <a:schemeClr val="bg1"/>
+              </a:solidFill>
+            </a:endParaRPr>
+          </a:p>
+          <a:p>
+            <a:pPr marL="285750" indent="-285750">
+              <a:lnSpc>
+                <a:spcPct val="200000"/>
+              </a:lnSpc>
+              <a:buFont typeface="Arial" panose="020B0604020202020204" pitchFamily="34" charset="0"/>
+              <a:buChar char="•"/>
+            </a:pPr>
+            <a:r>
+              <a:rPr lang="en-US" altLang="ko-KR" sz="2400" dirty="0" smtClean="0">
+                <a:solidFill>
+                  <a:schemeClr val="bg1"/>
+                </a:solidFill>
+              </a:rPr>
+              <a:t>UI </a:t>
+            </a:r>
+            <a:r>
+              <a:rPr lang="ko-KR" altLang="en-US" sz="2400" dirty="0" smtClean="0">
+                <a:solidFill>
+                  <a:schemeClr val="bg1"/>
+                </a:solidFill>
+              </a:rPr>
+              <a:t>제작</a:t>
+            </a:r>
+            <a:endParaRPr lang="en-US" altLang="ko-KR" sz="2400" dirty="0" smtClean="0">
+              <a:solidFill>
+                <a:schemeClr val="bg1"/>
+              </a:solidFill>
+            </a:endParaRPr>
+          </a:p>
+          <a:p>
+            <a:pPr marL="285750" indent="-285750">
+              <a:lnSpc>
+                <a:spcPct val="200000"/>
+              </a:lnSpc>
+              <a:buFont typeface="Arial" panose="020B0604020202020204" pitchFamily="34" charset="0"/>
+              <a:buChar char="•"/>
+            </a:pPr>
+            <a:r>
+              <a:rPr lang="ko-KR" altLang="en-US" sz="2400" dirty="0" err="1" smtClean="0">
+                <a:solidFill>
+                  <a:schemeClr val="bg1"/>
+                </a:solidFill>
+              </a:rPr>
+              <a:t>스카이박스</a:t>
+            </a:r>
+            <a:r>
+              <a:rPr lang="ko-KR" altLang="en-US" sz="2400" dirty="0" smtClean="0">
+                <a:solidFill>
+                  <a:schemeClr val="bg1"/>
+                </a:solidFill>
+              </a:rPr>
+              <a:t> </a:t>
+            </a:r>
+            <a:r>
+              <a:rPr lang="ko-KR" altLang="en-US" sz="2400" dirty="0" err="1" smtClean="0">
+                <a:solidFill>
+                  <a:schemeClr val="bg1"/>
+                </a:solidFill>
+              </a:rPr>
+              <a:t>텍스쳐</a:t>
+            </a:r>
+            <a:r>
+              <a:rPr lang="ko-KR" altLang="en-US" sz="2400" dirty="0" smtClean="0">
+                <a:solidFill>
+                  <a:schemeClr val="bg1"/>
+                </a:solidFill>
+              </a:rPr>
+              <a:t> 제작</a:t>
+            </a:r>
+            <a:endParaRPr lang="en-US" altLang="ko-KR" sz="2400" dirty="0" smtClean="0">
+              <a:solidFill>
+                <a:schemeClr val="bg1"/>
+              </a:solidFill>
+            </a:endParaRPr>
+          </a:p>
+          <a:p>
+            <a:pPr marL="285750" indent="-285750">
+              <a:lnSpc>
+                <a:spcPct val="200000"/>
+              </a:lnSpc>
+              <a:buFont typeface="Arial" panose="020B0604020202020204" pitchFamily="34" charset="0"/>
+              <a:buChar char="•"/>
+            </a:pPr>
+            <a:r>
+              <a:rPr lang="ko-KR" altLang="en-US" sz="2400" dirty="0" smtClean="0">
+                <a:solidFill>
+                  <a:schemeClr val="bg1"/>
+                </a:solidFill>
+              </a:rPr>
+              <a:t>오브젝트 배치 </a:t>
+            </a:r>
+            <a:r>
+              <a:rPr lang="en-US" altLang="ko-KR" sz="2400" dirty="0" smtClean="0">
+                <a:solidFill>
+                  <a:schemeClr val="bg1"/>
+                </a:solidFill>
+              </a:rPr>
+              <a:t>( with Unity </a:t>
+            </a:r>
+            <a:r>
+              <a:rPr lang="en-US" altLang="ko-KR" dirty="0" smtClean="0">
+                <a:solidFill>
+                  <a:schemeClr val="bg1"/>
+                </a:solidFill>
+              </a:rPr>
+              <a:t>)</a:t>
+            </a:r>
+          </a:p>
+          <a:p>
+            <a:endParaRPr lang="ko-KR" altLang="en-US" dirty="0">
+              <a:solidFill>
+                <a:schemeClr val="bg1"/>
+              </a:solidFill>
+            </a:endParaRPr>
           </a:p>
         </p:txBody>
       </p:sp>
@@ -9880,8 +10121,16 @@
                     <a:p>
                       <a:pPr algn="ctr" latinLnBrk="1"/>
                       <a:r>
-                        <a:rPr lang="ko-KR" altLang="en-US" sz="1800"/>
-                        <a:t>오브젝트 렌더 최적화</a:t>
+                        <a:rPr lang="ko-KR" altLang="en-US" sz="1800" dirty="0"/>
+                        <a:t>오브젝트 </a:t>
+                      </a:r>
+                      <a:r>
+                        <a:rPr lang="ko-KR" altLang="en-US" sz="1800" dirty="0" err="1"/>
+                        <a:t>렌더</a:t>
+                      </a:r>
+                      <a:r>
+                        <a:rPr lang="ko-KR" altLang="en-US" sz="1800" dirty="0"/>
+                        <a:t> 최적화</a:t>
                       </a:r>
                     </a:p>
                   </a:txBody>
@@ -9923,14 +10172,18 @@
                     <a:p>
                       <a:pPr algn="ctr" latinLnBrk="1"/>
                       <a:r>
-                        <a:rPr lang="ko-KR" altLang="en-US" sz="1800"/>
-                        <a:t>지도교수님에게 조언을 받는다</a:t>
-                      </a:r>
-                      <a:r>
-                        <a:rPr lang="en-US" altLang="ko-KR" sz="1800"/>
+                        <a:rPr lang="ko-KR" altLang="en-US" sz="1800" dirty="0" err="1"/>
+                        <a:t>지도교수님에게</a:t>
+                      </a:r>
+                      <a:r>
+                        <a:rPr lang="ko-KR" altLang="en-US" sz="1800" dirty="0"/>
+                        <a:t> 조언을 받는다</a:t>
+                      </a:r>
+                      <a:r>
+                        <a:rPr lang="en-US" altLang="ko-KR" sz="1800" dirty="0"/>
                         <a:t>.</a:t>
                       </a:r>
-                      <a:endParaRPr lang="ko-KR" altLang="en-US" sz="1800"/>
+                      <a:endParaRPr lang="ko-KR" altLang="en-US" sz="1800" dirty="0"/>
                     </a:p>
                   </a:txBody>
                   <a:tcPr anchor="ctr">
@@ -10348,8 +10601,24 @@
                     <a:p>
                       <a:pPr algn="ctr" latinLnBrk="1"/>
                       <a:r>
-                        <a:rPr lang="ko-KR" altLang="en-US" sz="1800"/>
-                        <a:t>디버깅 기간때 여유가 있다면 멀티쓰레드 학습</a:t>
+                        <a:rPr lang="ko-KR" altLang="en-US" sz="1800" dirty="0"/>
+                        <a:t>디버깅 </a:t>
+                      </a:r>
+                      <a:r>
+                        <a:rPr lang="ko-KR" altLang="en-US" sz="1800" dirty="0" err="1"/>
+                        <a:t>기간때</a:t>
+                      </a:r>
+                      <a:r>
+                        <a:rPr lang="ko-KR" altLang="en-US" sz="1800" dirty="0"/>
+                        <a:t> 여유가 있다면 </a:t>
+                      </a:r>
+                      <a:r>
+                        <a:rPr lang="ko-KR" altLang="en-US" sz="1800" dirty="0" err="1"/>
+                        <a:t>멀티쓰레드</a:t>
+                      </a:r>
+                      <a:r>
+                        <a:rPr lang="ko-KR" altLang="en-US" sz="1800" dirty="0"/>
+                        <a:t> 학습</a:t>
                       </a:r>
                     </a:p>
                   </a:txBody>
